--- a/files/admin-guide/SAC-admin-guide-edit-faq.pptx
+++ b/files/admin-guide/SAC-admin-guide-edit-faq.pptx
@@ -244,7 +244,7 @@
           <a:p>
             <a:fld id="{E423CC32-96CD-44F0-8162-1CACD40F9286}" type="datetimeFigureOut">
               <a:rPr lang="en-SG" smtClean="0"/>
-              <a:t>28/6/2019</a:t>
+              <a:t>2/7/2019</a:t>
             </a:fld>
             <a:endParaRPr lang="en-SG"/>
           </a:p>
@@ -6834,7 +6834,7 @@
           <a:noFill/>
           <a:ln w="28575">
             <a:solidFill>
-              <a:srgbClr val="C00000"/>
+              <a:srgbClr val="4F555B"/>
             </a:solidFill>
           </a:ln>
         </p:spPr>
@@ -6880,7 +6880,7 @@
           <a:noFill/>
           <a:ln w="28575">
             <a:solidFill>
-              <a:srgbClr val="C00000"/>
+              <a:srgbClr val="4F555B"/>
             </a:solidFill>
           </a:ln>
         </p:spPr>
@@ -7999,7 +7999,7 @@
           <a:noFill/>
           <a:ln w="28575">
             <a:solidFill>
-              <a:srgbClr val="C00000"/>
+              <a:srgbClr val="4F555B"/>
             </a:solidFill>
           </a:ln>
         </p:spPr>
@@ -8045,7 +8045,7 @@
           <a:noFill/>
           <a:ln w="28575">
             <a:solidFill>
-              <a:srgbClr val="C00000"/>
+              <a:srgbClr val="4F555B"/>
             </a:solidFill>
           </a:ln>
         </p:spPr>
